--- a/文档中的相关图片.pptx
+++ b/文档中的相关图片.pptx
@@ -3183,7 +3183,7 @@
             </a:r>
             <a:r>
               <a:rPr lang="en-US" altLang="zh-CN" smtClean="0"/>
-              <a:t>  ABAB  </a:t>
+              <a:t> ABAB  </a:t>
             </a:r>
             <a:endParaRPr lang="zh-CN" altLang="en-US"/>
           </a:p>
@@ -3197,7 +3197,7 @@
         </p:nvSpPr>
         <p:spPr>
           <a:xfrm>
-            <a:off x="5198125" y="914399"/>
+            <a:off x="4952079" y="1002535"/>
             <a:ext cx="165253" cy="881349"/>
           </a:xfrm>
           <a:prstGeom prst="rect">
@@ -3277,7 +3277,7 @@
         <p:spPr>
           <a:xfrm>
             <a:off x="6222694" y="1781070"/>
-            <a:ext cx="2359446" cy="369332"/>
+            <a:ext cx="2061990" cy="369332"/>
           </a:xfrm>
           <a:prstGeom prst="rect">
             <a:avLst/>
